--- a/development/images/parentUID.pptx
+++ b/development/images/parentUID.pptx
@@ -104,6 +104,11 @@
       </a:defRPr>
     </a:lvl9pPr>
   </p:defaultTextStyle>
+  <p:extLst>
+    <p:ext uri="{EFAFB233-063F-42B5-8137-9DF3F51BA10A}">
+      <p15:sldGuideLst xmlns:p15="http://schemas.microsoft.com/office/powerpoint/2012/main"/>
+    </p:ext>
+  </p:extLst>
 </p:presentation>
 </file>
 
@@ -256,7 +261,7 @@
           <a:p>
             <a:fld id="{3A7344D0-0DD7-4B9D-A661-3C0AEF8DC6A8}" type="datetimeFigureOut">
               <a:rPr lang="en-US" smtClean="0"/>
-              <a:t>10/29/2021</a:t>
+              <a:t>11/10/2021</a:t>
             </a:fld>
             <a:endParaRPr lang="en-US"/>
           </a:p>
@@ -456,7 +461,7 @@
           <a:p>
             <a:fld id="{3A7344D0-0DD7-4B9D-A661-3C0AEF8DC6A8}" type="datetimeFigureOut">
               <a:rPr lang="en-US" smtClean="0"/>
-              <a:t>10/29/2021</a:t>
+              <a:t>11/10/2021</a:t>
             </a:fld>
             <a:endParaRPr lang="en-US"/>
           </a:p>
@@ -666,7 +671,7 @@
           <a:p>
             <a:fld id="{3A7344D0-0DD7-4B9D-A661-3C0AEF8DC6A8}" type="datetimeFigureOut">
               <a:rPr lang="en-US" smtClean="0"/>
-              <a:t>10/29/2021</a:t>
+              <a:t>11/10/2021</a:t>
             </a:fld>
             <a:endParaRPr lang="en-US"/>
           </a:p>
@@ -866,7 +871,7 @@
           <a:p>
             <a:fld id="{3A7344D0-0DD7-4B9D-A661-3C0AEF8DC6A8}" type="datetimeFigureOut">
               <a:rPr lang="en-US" smtClean="0"/>
-              <a:t>10/29/2021</a:t>
+              <a:t>11/10/2021</a:t>
             </a:fld>
             <a:endParaRPr lang="en-US"/>
           </a:p>
@@ -1142,7 +1147,7 @@
           <a:p>
             <a:fld id="{3A7344D0-0DD7-4B9D-A661-3C0AEF8DC6A8}" type="datetimeFigureOut">
               <a:rPr lang="en-US" smtClean="0"/>
-              <a:t>10/29/2021</a:t>
+              <a:t>11/10/2021</a:t>
             </a:fld>
             <a:endParaRPr lang="en-US"/>
           </a:p>
@@ -1410,7 +1415,7 @@
           <a:p>
             <a:fld id="{3A7344D0-0DD7-4B9D-A661-3C0AEF8DC6A8}" type="datetimeFigureOut">
               <a:rPr lang="en-US" smtClean="0"/>
-              <a:t>10/29/2021</a:t>
+              <a:t>11/10/2021</a:t>
             </a:fld>
             <a:endParaRPr lang="en-US"/>
           </a:p>
@@ -1825,7 +1830,7 @@
           <a:p>
             <a:fld id="{3A7344D0-0DD7-4B9D-A661-3C0AEF8DC6A8}" type="datetimeFigureOut">
               <a:rPr lang="en-US" smtClean="0"/>
-              <a:t>10/29/2021</a:t>
+              <a:t>11/10/2021</a:t>
             </a:fld>
             <a:endParaRPr lang="en-US"/>
           </a:p>
@@ -1967,7 +1972,7 @@
           <a:p>
             <a:fld id="{3A7344D0-0DD7-4B9D-A661-3C0AEF8DC6A8}" type="datetimeFigureOut">
               <a:rPr lang="en-US" smtClean="0"/>
-              <a:t>10/29/2021</a:t>
+              <a:t>11/10/2021</a:t>
             </a:fld>
             <a:endParaRPr lang="en-US"/>
           </a:p>
@@ -2080,7 +2085,7 @@
           <a:p>
             <a:fld id="{3A7344D0-0DD7-4B9D-A661-3C0AEF8DC6A8}" type="datetimeFigureOut">
               <a:rPr lang="en-US" smtClean="0"/>
-              <a:t>10/29/2021</a:t>
+              <a:t>11/10/2021</a:t>
             </a:fld>
             <a:endParaRPr lang="en-US"/>
           </a:p>
@@ -2393,7 +2398,7 @@
           <a:p>
             <a:fld id="{3A7344D0-0DD7-4B9D-A661-3C0AEF8DC6A8}" type="datetimeFigureOut">
               <a:rPr lang="en-US" smtClean="0"/>
-              <a:t>10/29/2021</a:t>
+              <a:t>11/10/2021</a:t>
             </a:fld>
             <a:endParaRPr lang="en-US"/>
           </a:p>
@@ -2682,7 +2687,7 @@
           <a:p>
             <a:fld id="{3A7344D0-0DD7-4B9D-A661-3C0AEF8DC6A8}" type="datetimeFigureOut">
               <a:rPr lang="en-US" smtClean="0"/>
-              <a:t>10/29/2021</a:t>
+              <a:t>11/10/2021</a:t>
             </a:fld>
             <a:endParaRPr lang="en-US"/>
           </a:p>
@@ -2925,7 +2930,7 @@
           <a:p>
             <a:fld id="{3A7344D0-0DD7-4B9D-A661-3C0AEF8DC6A8}" type="datetimeFigureOut">
               <a:rPr lang="en-US" smtClean="0"/>
-              <a:t>10/29/2021</a:t>
+              <a:t>11/10/2021</a:t>
             </a:fld>
             <a:endParaRPr lang="en-US"/>
           </a:p>
@@ -3356,13 +3361,18 @@
         </p:nvSpPr>
         <p:spPr>
           <a:xfrm>
-            <a:off x="1604506" y="1138687"/>
-            <a:ext cx="1095555" cy="276046"/>
+            <a:off x="1604507" y="1138687"/>
+            <a:ext cx="1561388" cy="276046"/>
           </a:xfrm>
           <a:prstGeom prst="rect">
             <a:avLst/>
           </a:prstGeom>
-          <a:noFill/>
+          <a:solidFill>
+            <a:schemeClr val="accent1">
+              <a:lumMod val="40000"/>
+              <a:lumOff val="60000"/>
+            </a:schemeClr>
+          </a:solidFill>
           <a:ln>
             <a:solidFill>
               <a:schemeClr val="tx1"/>
@@ -3399,9 +3409,39 @@
               </a:rPr>
               <a:t>wing</a:t>
             </a:r>
-            <a:endParaRPr lang="en-US" dirty="0">
+            <a:r>
+              <a:rPr lang="de-DE" dirty="0">
+                <a:solidFill>
+                  <a:schemeClr val="tx1"/>
+                </a:solidFill>
+              </a:rPr>
+              <a:t> </a:t>
+            </a:r>
+            <a:r>
+              <a:rPr lang="de-DE" i="1" dirty="0">
+                <a:solidFill>
+                  <a:schemeClr val="accent2">
+                    <a:lumMod val="75000"/>
+                  </a:schemeClr>
+                </a:solidFill>
+              </a:rPr>
+              <a:t>@</a:t>
+            </a:r>
+            <a:r>
+              <a:rPr lang="de-DE" i="1" dirty="0" err="1">
+                <a:solidFill>
+                  <a:schemeClr val="accent2">
+                    <a:lumMod val="75000"/>
+                  </a:schemeClr>
+                </a:solidFill>
+              </a:rPr>
+              <a:t>uID</a:t>
+            </a:r>
+            <a:endParaRPr lang="en-US" i="1" dirty="0">
               <a:solidFill>
-                <a:schemeClr val="tx1"/>
+                <a:schemeClr val="accent2">
+                  <a:lumMod val="75000"/>
+                </a:schemeClr>
               </a:solidFill>
             </a:endParaRPr>
           </a:p>
@@ -3421,7 +3461,7 @@
         </p:nvSpPr>
         <p:spPr>
           <a:xfrm>
-            <a:off x="2334875" y="1482307"/>
+            <a:off x="2317622" y="1482307"/>
             <a:ext cx="1167443" cy="276046"/>
           </a:xfrm>
           <a:prstGeom prst="rect">
@@ -3492,7 +3532,11 @@
           <a:prstGeom prst="rect">
             <a:avLst/>
           </a:prstGeom>
-          <a:noFill/>
+          <a:solidFill>
+            <a:schemeClr val="bg1">
+              <a:lumMod val="85000"/>
+            </a:schemeClr>
+          </a:solidFill>
           <a:ln>
             <a:solidFill>
               <a:schemeClr val="tx1"/>
@@ -3547,6 +3591,7 @@
             </a:extLst>
           </p:cNvPr>
           <p:cNvCxnSpPr>
+            <a:cxnSpLocks/>
             <a:stCxn id="4" idx="1"/>
             <a:endCxn id="8" idx="2"/>
           </p:cNvCxnSpPr>
@@ -3554,8 +3599,8 @@
         </p:nvCxnSpPr>
         <p:spPr>
           <a:xfrm rot="10800000">
-            <a:off x="1423356" y="1045236"/>
-            <a:ext cx="181150" cy="231475"/>
+            <a:off x="1423357" y="1045236"/>
+            <a:ext cx="181151" cy="231475"/>
           </a:xfrm>
           <a:prstGeom prst="bentConnector2">
             <a:avLst/>
@@ -3586,15 +3631,15 @@
             </a:extLst>
           </p:cNvPr>
           <p:cNvCxnSpPr>
+            <a:cxnSpLocks/>
             <a:stCxn id="7" idx="1"/>
-            <a:endCxn id="4" idx="2"/>
           </p:cNvCxnSpPr>
           <p:nvPr/>
         </p:nvCxnSpPr>
         <p:spPr>
           <a:xfrm rot="10800000">
-            <a:off x="2152285" y="1414734"/>
-            <a:ext cx="182591" cy="205597"/>
+            <a:off x="2147976" y="1414734"/>
+            <a:ext cx="169646" cy="205597"/>
           </a:xfrm>
           <a:prstGeom prst="bentConnector2">
             <a:avLst/>
@@ -3630,12 +3675,17 @@
         <p:spPr>
           <a:xfrm>
             <a:off x="1610255" y="1858998"/>
-            <a:ext cx="1095555" cy="276046"/>
+            <a:ext cx="1556337" cy="276046"/>
           </a:xfrm>
           <a:prstGeom prst="rect">
             <a:avLst/>
           </a:prstGeom>
-          <a:noFill/>
+          <a:solidFill>
+            <a:schemeClr val="accent1">
+              <a:lumMod val="40000"/>
+              <a:lumOff val="60000"/>
+            </a:schemeClr>
+          </a:solidFill>
           <a:ln>
             <a:solidFill>
               <a:schemeClr val="tx1"/>
@@ -3672,9 +3722,49 @@
               </a:rPr>
               <a:t>fuselage</a:t>
             </a:r>
-            <a:endParaRPr lang="en-US" dirty="0">
+            <a:r>
+              <a:rPr lang="de-DE" dirty="0">
+                <a:solidFill>
+                  <a:schemeClr val="tx1"/>
+                </a:solidFill>
+              </a:rPr>
+              <a:t> </a:t>
+            </a:r>
+            <a:r>
+              <a:rPr lang="de-DE" i="1" dirty="0">
+                <a:solidFill>
+                  <a:schemeClr val="accent2">
+                    <a:lumMod val="75000"/>
+                  </a:schemeClr>
+                </a:solidFill>
+              </a:rPr>
+              <a:t>@</a:t>
+            </a:r>
+            <a:r>
+              <a:rPr lang="de-DE" i="1" dirty="0" err="1">
+                <a:solidFill>
+                  <a:schemeClr val="accent2">
+                    <a:lumMod val="75000"/>
+                  </a:schemeClr>
+                </a:solidFill>
+              </a:rPr>
+              <a:t>uID</a:t>
+            </a:r>
+            <a:r>
+              <a:rPr lang="de-DE" i="1" dirty="0">
+                <a:solidFill>
+                  <a:schemeClr val="accent2">
+                    <a:lumMod val="75000"/>
+                  </a:schemeClr>
+                </a:solidFill>
+              </a:rPr>
+              <a:t> </a:t>
+            </a:r>
+            <a:endParaRPr lang="en-US" i="1" dirty="0">
               <a:solidFill>
-                <a:schemeClr val="tx1"/>
+                <a:schemeClr val="accent2">
+                  <a:lumMod val="75000"/>
+                </a:schemeClr>
               </a:solidFill>
             </a:endParaRPr>
           </a:p>
@@ -3694,7 +3784,7 @@
         </p:nvSpPr>
         <p:spPr>
           <a:xfrm>
-            <a:off x="2340624" y="2202618"/>
+            <a:off x="2323371" y="2202618"/>
             <a:ext cx="1167443" cy="276046"/>
           </a:xfrm>
           <a:prstGeom prst="rect">
@@ -3755,15 +3845,15 @@
             </a:extLst>
           </p:cNvPr>
           <p:cNvCxnSpPr>
+            <a:cxnSpLocks/>
             <a:stCxn id="14" idx="1"/>
-            <a:endCxn id="13" idx="2"/>
           </p:cNvCxnSpPr>
           <p:nvPr/>
         </p:nvCxnSpPr>
         <p:spPr>
           <a:xfrm rot="10800000">
-            <a:off x="2158034" y="2135045"/>
-            <a:ext cx="182591" cy="205597"/>
+            <a:off x="2150851" y="2135045"/>
+            <a:ext cx="172521" cy="205597"/>
           </a:xfrm>
           <a:prstGeom prst="bentConnector2">
             <a:avLst/>
@@ -3839,12 +3929,17 @@
         <p:spPr>
           <a:xfrm>
             <a:off x="1656258" y="2579309"/>
-            <a:ext cx="1095555" cy="276046"/>
+            <a:ext cx="1515917" cy="276046"/>
           </a:xfrm>
           <a:prstGeom prst="rect">
             <a:avLst/>
           </a:prstGeom>
-          <a:noFill/>
+          <a:solidFill>
+            <a:schemeClr val="accent1">
+              <a:lumMod val="40000"/>
+              <a:lumOff val="60000"/>
+            </a:schemeClr>
+          </a:solidFill>
           <a:ln>
             <a:solidFill>
               <a:schemeClr val="tx1"/>
@@ -3881,9 +3976,39 @@
               </a:rPr>
               <a:t>engine</a:t>
             </a:r>
-            <a:endParaRPr lang="en-US" dirty="0">
+            <a:r>
+              <a:rPr lang="de-DE" dirty="0">
+                <a:solidFill>
+                  <a:schemeClr val="tx1"/>
+                </a:solidFill>
+              </a:rPr>
+              <a:t> </a:t>
+            </a:r>
+            <a:r>
+              <a:rPr lang="de-DE" i="1" dirty="0">
+                <a:solidFill>
+                  <a:schemeClr val="accent2">
+                    <a:lumMod val="75000"/>
+                  </a:schemeClr>
+                </a:solidFill>
+              </a:rPr>
+              <a:t>@</a:t>
+            </a:r>
+            <a:r>
+              <a:rPr lang="de-DE" i="1" dirty="0" err="1">
+                <a:solidFill>
+                  <a:schemeClr val="accent2">
+                    <a:lumMod val="75000"/>
+                  </a:schemeClr>
+                </a:solidFill>
+              </a:rPr>
+              <a:t>uID</a:t>
+            </a:r>
+            <a:endParaRPr lang="en-US" i="1" dirty="0">
               <a:solidFill>
-                <a:schemeClr val="tx1"/>
+                <a:schemeClr val="accent2">
+                  <a:lumMod val="75000"/>
+                </a:schemeClr>
               </a:solidFill>
             </a:endParaRPr>
           </a:p>
@@ -3903,7 +4028,7 @@
         </p:nvSpPr>
         <p:spPr>
           <a:xfrm>
-            <a:off x="2386627" y="2922929"/>
+            <a:off x="2369374" y="2922929"/>
             <a:ext cx="1167443" cy="276046"/>
           </a:xfrm>
           <a:prstGeom prst="rect">
@@ -3964,15 +4089,15 @@
             </a:extLst>
           </p:cNvPr>
           <p:cNvCxnSpPr>
+            <a:cxnSpLocks/>
             <a:stCxn id="20" idx="1"/>
-            <a:endCxn id="19" idx="2"/>
           </p:cNvCxnSpPr>
           <p:nvPr/>
         </p:nvCxnSpPr>
         <p:spPr>
           <a:xfrm rot="10800000">
-            <a:off x="2204037" y="2855356"/>
-            <a:ext cx="182591" cy="205597"/>
+            <a:off x="2173852" y="2855356"/>
+            <a:ext cx="195522" cy="205597"/>
           </a:xfrm>
           <a:prstGeom prst="bentConnector2">
             <a:avLst/>
@@ -4053,7 +4178,12 @@
           <a:prstGeom prst="rect">
             <a:avLst/>
           </a:prstGeom>
-          <a:noFill/>
+          <a:solidFill>
+            <a:schemeClr val="accent1">
+              <a:lumMod val="40000"/>
+              <a:lumOff val="60000"/>
+            </a:schemeClr>
+          </a:solidFill>
           <a:ln>
             <a:solidFill>
               <a:schemeClr val="tx1"/>
@@ -4083,7 +4213,7 @@
           <a:p>
             <a:pPr algn="ctr"/>
             <a:r>
-              <a:rPr lang="de-DE" dirty="0" err="1">
+              <a:rPr lang="de-DE">
                 <a:solidFill>
                   <a:schemeClr val="tx1"/>
                 </a:solidFill>
@@ -4118,7 +4248,12 @@
           <a:prstGeom prst="rect">
             <a:avLst/>
           </a:prstGeom>
-          <a:noFill/>
+          <a:solidFill>
+            <a:schemeClr val="accent1">
+              <a:lumMod val="40000"/>
+              <a:lumOff val="60000"/>
+            </a:schemeClr>
+          </a:solidFill>
           <a:ln>
             <a:solidFill>
               <a:schemeClr val="tx1"/>
@@ -4148,7 +4283,7 @@
           <a:p>
             <a:pPr algn="ctr"/>
             <a:r>
-              <a:rPr lang="de-DE" dirty="0" err="1">
+              <a:rPr lang="de-DE">
                 <a:solidFill>
                   <a:schemeClr val="tx1"/>
                 </a:solidFill>
@@ -4183,7 +4318,11 @@
           <a:prstGeom prst="rect">
             <a:avLst/>
           </a:prstGeom>
-          <a:noFill/>
+          <a:solidFill>
+            <a:schemeClr val="bg1">
+              <a:lumMod val="85000"/>
+            </a:schemeClr>
+          </a:solidFill>
           <a:ln>
             <a:solidFill>
               <a:schemeClr val="tx1"/>
@@ -4326,7 +4465,12 @@
           <a:prstGeom prst="rect">
             <a:avLst/>
           </a:prstGeom>
-          <a:noFill/>
+          <a:solidFill>
+            <a:schemeClr val="accent1">
+              <a:lumMod val="40000"/>
+              <a:lumOff val="60000"/>
+            </a:schemeClr>
+          </a:solidFill>
           <a:ln>
             <a:solidFill>
               <a:schemeClr val="tx1"/>
